--- a/Save The Children.pptx
+++ b/Save The Children.pptx
@@ -15,12 +15,14 @@
     <p:sldId id="317" r:id="rId9"/>
     <p:sldId id="310" r:id="rId10"/>
     <p:sldId id="327" r:id="rId11"/>
-    <p:sldId id="323" r:id="rId12"/>
-    <p:sldId id="311" r:id="rId13"/>
-    <p:sldId id="324" r:id="rId14"/>
-    <p:sldId id="325" r:id="rId15"/>
-    <p:sldId id="326" r:id="rId16"/>
-    <p:sldId id="312" r:id="rId17"/>
+    <p:sldId id="328" r:id="rId12"/>
+    <p:sldId id="329" r:id="rId13"/>
+    <p:sldId id="323" r:id="rId14"/>
+    <p:sldId id="311" r:id="rId15"/>
+    <p:sldId id="324" r:id="rId16"/>
+    <p:sldId id="325" r:id="rId17"/>
+    <p:sldId id="326" r:id="rId18"/>
+    <p:sldId id="312" r:id="rId19"/>
   </p:sldIdLst>
   <p:sldSz cx="12192000" cy="6858000"/>
   <p:notesSz cx="6858000" cy="9144000"/>
@@ -3880,7 +3882,7 @@
           <p:cNvPr id="2" name="Title 1">
             <a:extLst>
               <a:ext uri="{FF2B5EF4-FFF2-40B4-BE49-F238E27FC236}">
-                <a16:creationId xmlns:a16="http://schemas.microsoft.com/office/drawing/2014/main" id="{755A50DE-6BD3-4C90-B73B-FE9ED5BA50C2}"/>
+                <a16:creationId xmlns:a16="http://schemas.microsoft.com/office/drawing/2014/main" id="{F9FCD1CA-6E44-4240-A77A-2E06410D5A71}"/>
               </a:ext>
             </a:extLst>
           </p:cNvPr>
@@ -3898,25 +3900,54 @@
           <a:p>
             <a:r>
               <a:rPr lang="en-US" dirty="0"/>
-              <a:t>Other things to consider</a:t>
-            </a:r>
-          </a:p>
-        </p:txBody>
-      </p:sp>
-      <p:sp>
-        <p:nvSpPr>
-          <p:cNvPr id="3" name="Content Placeholder 2">
+              <a:t>Multicollinearity plots matrix</a:t>
+            </a:r>
+          </a:p>
+        </p:txBody>
+      </p:sp>
+      <p:pic>
+        <p:nvPicPr>
+          <p:cNvPr id="6" name="Content Placeholder 5">
             <a:extLst>
               <a:ext uri="{FF2B5EF4-FFF2-40B4-BE49-F238E27FC236}">
-                <a16:creationId xmlns:a16="http://schemas.microsoft.com/office/drawing/2014/main" id="{9BC82AFE-6BA1-4A23-A6C8-4D444BABAADB}"/>
+                <a16:creationId xmlns:a16="http://schemas.microsoft.com/office/drawing/2014/main" id="{F02C8B9B-6614-4267-B3BE-61E7A54B4789}"/>
               </a:ext>
             </a:extLst>
           </p:cNvPr>
-          <p:cNvSpPr>
-            <a:spLocks noGrp="1"/>
-          </p:cNvSpPr>
-          <p:nvPr>
-            <p:ph idx="1"/>
+          <p:cNvPicPr>
+            <a:picLocks noGrp="1" noChangeAspect="1"/>
+          </p:cNvPicPr>
+          <p:nvPr>
+            <p:ph sz="half" idx="1"/>
+          </p:nvPr>
+        </p:nvPicPr>
+        <p:blipFill>
+          <a:blip r:embed="rId2"/>
+          <a:stretch>
+            <a:fillRect/>
+          </a:stretch>
+        </p:blipFill>
+        <p:spPr>
+          <a:xfrm>
+            <a:off x="1447800" y="2076450"/>
+            <a:ext cx="4645024" cy="3317875"/>
+          </a:xfrm>
+        </p:spPr>
+      </p:pic>
+      <p:sp>
+        <p:nvSpPr>
+          <p:cNvPr id="4" name="Content Placeholder 3">
+            <a:extLst>
+              <a:ext uri="{FF2B5EF4-FFF2-40B4-BE49-F238E27FC236}">
+                <a16:creationId xmlns:a16="http://schemas.microsoft.com/office/drawing/2014/main" id="{F65726F8-F721-4BBA-84B3-121147D84B7C}"/>
+              </a:ext>
+            </a:extLst>
+          </p:cNvPr>
+          <p:cNvSpPr>
+            <a:spLocks noGrp="1"/>
+          </p:cNvSpPr>
+          <p:nvPr>
+            <p:ph sz="half" idx="2"/>
           </p:nvPr>
         </p:nvSpPr>
         <p:spPr/>
@@ -3926,7 +3957,7 @@
           <a:p>
             <a:r>
               <a:rPr lang="en-US" dirty="0"/>
-              <a:t>While our linear regression model showed ~50% correlation and our multiple regression model showed ~75% correlation, there are 162 total variables, so a stronger model and/or use of other variables may obtain higher correlation percentages.</a:t>
+              <a:t>This is a matrix plot showing the relationship between survival rate, mother’s position maternity, female life expectancy, female participation, and female manager.</a:t>
             </a:r>
           </a:p>
         </p:txBody>
@@ -3934,7 +3965,7 @@
     </p:spTree>
     <p:extLst>
       <p:ext uri="{BB962C8B-B14F-4D97-AF65-F5344CB8AC3E}">
-        <p14:creationId xmlns:p14="http://schemas.microsoft.com/office/powerpoint/2010/main" val="1140124658"/>
+        <p14:creationId xmlns:p14="http://schemas.microsoft.com/office/powerpoint/2010/main" val="798016445"/>
       </p:ext>
     </p:extLst>
   </p:cSld>
@@ -3966,7 +3997,7 @@
           <p:cNvPr id="2" name="Title 1">
             <a:extLst>
               <a:ext uri="{FF2B5EF4-FFF2-40B4-BE49-F238E27FC236}">
-                <a16:creationId xmlns:a16="http://schemas.microsoft.com/office/drawing/2014/main" id="{96BCD036-B940-49FE-B2C0-BE9D8CE47D6A}"/>
+                <a16:creationId xmlns:a16="http://schemas.microsoft.com/office/drawing/2014/main" id="{F9FCD1CA-6E44-4240-A77A-2E06410D5A71}"/>
               </a:ext>
             </a:extLst>
           </p:cNvPr>
@@ -3979,14 +4010,77 @@
         </p:nvSpPr>
         <p:spPr/>
         <p:txBody>
-          <a:bodyPr>
-            <a:normAutofit/>
-          </a:bodyPr>
-          <a:lstStyle/>
-          <a:p>
-            <a:r>
-              <a:rPr lang="en-US" sz="4000" dirty="0"/>
-              <a:t>summary</a:t>
+          <a:bodyPr/>
+          <a:lstStyle/>
+          <a:p>
+            <a:r>
+              <a:rPr lang="en-US" dirty="0"/>
+              <a:t>Correlation plots matrix</a:t>
+            </a:r>
+          </a:p>
+        </p:txBody>
+      </p:sp>
+      <p:pic>
+        <p:nvPicPr>
+          <p:cNvPr id="6" name="Content Placeholder 5">
+            <a:extLst>
+              <a:ext uri="{FF2B5EF4-FFF2-40B4-BE49-F238E27FC236}">
+                <a16:creationId xmlns:a16="http://schemas.microsoft.com/office/drawing/2014/main" id="{F02C8B9B-6614-4267-B3BE-61E7A54B4789}"/>
+              </a:ext>
+            </a:extLst>
+          </p:cNvPr>
+          <p:cNvPicPr>
+            <a:picLocks noGrp="1" noChangeAspect="1"/>
+          </p:cNvPicPr>
+          <p:nvPr>
+            <p:ph sz="half" idx="1"/>
+          </p:nvPr>
+        </p:nvPicPr>
+        <p:blipFill>
+          <a:blip r:embed="rId2"/>
+          <a:stretch>
+            <a:fillRect/>
+          </a:stretch>
+        </p:blipFill>
+        <p:spPr>
+          <a:xfrm>
+            <a:off x="1447800" y="2076450"/>
+            <a:ext cx="4645024" cy="3317875"/>
+          </a:xfrm>
+        </p:spPr>
+      </p:pic>
+      <p:sp>
+        <p:nvSpPr>
+          <p:cNvPr id="4" name="Content Placeholder 3">
+            <a:extLst>
+              <a:ext uri="{FF2B5EF4-FFF2-40B4-BE49-F238E27FC236}">
+                <a16:creationId xmlns:a16="http://schemas.microsoft.com/office/drawing/2014/main" id="{F65726F8-F721-4BBA-84B3-121147D84B7C}"/>
+              </a:ext>
+            </a:extLst>
+          </p:cNvPr>
+          <p:cNvSpPr>
+            <a:spLocks noGrp="1"/>
+          </p:cNvSpPr>
+          <p:nvPr>
+            <p:ph sz="half" idx="2"/>
+          </p:nvPr>
+        </p:nvSpPr>
+        <p:spPr/>
+        <p:txBody>
+          <a:bodyPr/>
+          <a:lstStyle/>
+          <a:p>
+            <a:r>
+              <a:rPr lang="en-US" dirty="0"/>
+              <a:t>There </a:t>
+            </a:r>
+            <a:r>
+              <a:rPr lang="en-US"/>
+              <a:t>is about 75</a:t>
+            </a:r>
+            <a:r>
+              <a:rPr lang="en-US" dirty="0"/>
+              <a:t>% correlation between the 4 variables and survival rate.</a:t>
             </a:r>
           </a:p>
         </p:txBody>
@@ -3994,7 +4088,7 @@
     </p:spTree>
     <p:extLst>
       <p:ext uri="{BB962C8B-B14F-4D97-AF65-F5344CB8AC3E}">
-        <p14:creationId xmlns:p14="http://schemas.microsoft.com/office/powerpoint/2010/main" val="1078294770"/>
+        <p14:creationId xmlns:p14="http://schemas.microsoft.com/office/powerpoint/2010/main" val="1661870405"/>
       </p:ext>
     </p:extLst>
   </p:cSld>
@@ -4044,7 +4138,7 @@
           <a:p>
             <a:r>
               <a:rPr lang="en-US" dirty="0"/>
-              <a:t>insights</a:t>
+              <a:t>Other things to consider</a:t>
             </a:r>
           </a:p>
         </p:txBody>
@@ -4072,13 +4166,7 @@
           <a:p>
             <a:r>
               <a:rPr lang="en-US" dirty="0"/>
-              <a:t>Education and occupation have huge correlation to life expectancy and morality.</a:t>
-            </a:r>
-          </a:p>
-          <a:p>
-            <a:r>
-              <a:rPr lang="en-US" dirty="0"/>
-              <a:t>Therefore, the Bill &amp; Melinda Foundation should expand and bring aid to countries with low literacy and low female occupation rates.</a:t>
+              <a:t>While our linear regression model shows ~50% correlation and our multiple regression model shows ~75% correlation, there are 162 total variables, so a stronger model and/or use of other variables may obtain higher correlation percentages.</a:t>
             </a:r>
           </a:p>
         </p:txBody>
@@ -4086,7 +4174,7 @@
     </p:spTree>
     <p:extLst>
       <p:ext uri="{BB962C8B-B14F-4D97-AF65-F5344CB8AC3E}">
-        <p14:creationId xmlns:p14="http://schemas.microsoft.com/office/powerpoint/2010/main" val="402510787"/>
+        <p14:creationId xmlns:p14="http://schemas.microsoft.com/office/powerpoint/2010/main" val="1140124658"/>
       </p:ext>
     </p:extLst>
   </p:cSld>
@@ -4118,7 +4206,7 @@
           <p:cNvPr id="2" name="Title 1">
             <a:extLst>
               <a:ext uri="{FF2B5EF4-FFF2-40B4-BE49-F238E27FC236}">
-                <a16:creationId xmlns:a16="http://schemas.microsoft.com/office/drawing/2014/main" id="{755A50DE-6BD3-4C90-B73B-FE9ED5BA50C2}"/>
+                <a16:creationId xmlns:a16="http://schemas.microsoft.com/office/drawing/2014/main" id="{96BCD036-B940-49FE-B2C0-BE9D8CE47D6A}"/>
               </a:ext>
             </a:extLst>
           </p:cNvPr>
@@ -4131,40 +4219,14 @@
         </p:nvSpPr>
         <p:spPr/>
         <p:txBody>
-          <a:bodyPr/>
-          <a:lstStyle/>
-          <a:p>
-            <a:r>
-              <a:rPr lang="en-US" dirty="0"/>
-              <a:t>Recommendations</a:t>
-            </a:r>
-          </a:p>
-        </p:txBody>
-      </p:sp>
-      <p:sp>
-        <p:nvSpPr>
-          <p:cNvPr id="3" name="Content Placeholder 2">
-            <a:extLst>
-              <a:ext uri="{FF2B5EF4-FFF2-40B4-BE49-F238E27FC236}">
-                <a16:creationId xmlns:a16="http://schemas.microsoft.com/office/drawing/2014/main" id="{9BC82AFE-6BA1-4A23-A6C8-4D444BABAADB}"/>
-              </a:ext>
-            </a:extLst>
-          </p:cNvPr>
-          <p:cNvSpPr>
-            <a:spLocks noGrp="1"/>
-          </p:cNvSpPr>
-          <p:nvPr>
-            <p:ph idx="1"/>
-          </p:nvPr>
-        </p:nvSpPr>
-        <p:spPr/>
-        <p:txBody>
-          <a:bodyPr/>
-          <a:lstStyle/>
-          <a:p>
-            <a:r>
-              <a:rPr lang="en-US" dirty="0"/>
-              <a:t>Since the Bill &amp; Melinda Foundations </a:t>
+          <a:bodyPr>
+            <a:normAutofit/>
+          </a:bodyPr>
+          <a:lstStyle/>
+          <a:p>
+            <a:r>
+              <a:rPr lang="en-US" sz="4000" dirty="0"/>
+              <a:t>summary</a:t>
             </a:r>
           </a:p>
         </p:txBody>
@@ -4172,7 +4234,7 @@
     </p:spTree>
     <p:extLst>
       <p:ext uri="{BB962C8B-B14F-4D97-AF65-F5344CB8AC3E}">
-        <p14:creationId xmlns:p14="http://schemas.microsoft.com/office/powerpoint/2010/main" val="4037269175"/>
+        <p14:creationId xmlns:p14="http://schemas.microsoft.com/office/powerpoint/2010/main" val="1078294770"/>
       </p:ext>
     </p:extLst>
   </p:cSld>
@@ -4222,7 +4284,7 @@
           <a:p>
             <a:r>
               <a:rPr lang="en-US" dirty="0"/>
-              <a:t>improvements</a:t>
+              <a:t>insights</a:t>
             </a:r>
           </a:p>
         </p:txBody>
@@ -4248,7 +4310,194 @@
           <a:bodyPr/>
           <a:lstStyle/>
           <a:p>
-            <a:endParaRPr lang="en-US" dirty="0"/>
+            <a:r>
+              <a:rPr lang="en-US" dirty="0"/>
+              <a:t>Education and occupation have huge correlation to life expectancy and morality.</a:t>
+            </a:r>
+          </a:p>
+          <a:p>
+            <a:r>
+              <a:rPr lang="en-US" dirty="0"/>
+              <a:t>Therefore, the Bill &amp; Melinda Foundation should expand and bring aid to countries with low literacy and low female occupation rates.</a:t>
+            </a:r>
+          </a:p>
+        </p:txBody>
+      </p:sp>
+    </p:spTree>
+    <p:extLst>
+      <p:ext uri="{BB962C8B-B14F-4D97-AF65-F5344CB8AC3E}">
+        <p14:creationId xmlns:p14="http://schemas.microsoft.com/office/powerpoint/2010/main" val="402510787"/>
+      </p:ext>
+    </p:extLst>
+  </p:cSld>
+  <p:clrMapOvr>
+    <a:masterClrMapping/>
+  </p:clrMapOvr>
+</p:sld>
+</file>
+
+<file path=ppt/slides/slide16.xml><?xml version="1.0" encoding="utf-8"?>
+<p:sld xmlns:a="http://schemas.openxmlformats.org/drawingml/2006/main" xmlns:r="http://schemas.openxmlformats.org/officeDocument/2006/relationships" xmlns:p="http://schemas.openxmlformats.org/presentationml/2006/main">
+  <p:cSld>
+    <p:spTree>
+      <p:nvGrpSpPr>
+        <p:cNvPr id="1" name=""/>
+        <p:cNvGrpSpPr/>
+        <p:nvPr/>
+      </p:nvGrpSpPr>
+      <p:grpSpPr>
+        <a:xfrm>
+          <a:off x="0" y="0"/>
+          <a:ext cx="0" cy="0"/>
+          <a:chOff x="0" y="0"/>
+          <a:chExt cx="0" cy="0"/>
+        </a:xfrm>
+      </p:grpSpPr>
+      <p:sp>
+        <p:nvSpPr>
+          <p:cNvPr id="2" name="Title 1">
+            <a:extLst>
+              <a:ext uri="{FF2B5EF4-FFF2-40B4-BE49-F238E27FC236}">
+                <a16:creationId xmlns:a16="http://schemas.microsoft.com/office/drawing/2014/main" id="{755A50DE-6BD3-4C90-B73B-FE9ED5BA50C2}"/>
+              </a:ext>
+            </a:extLst>
+          </p:cNvPr>
+          <p:cNvSpPr>
+            <a:spLocks noGrp="1"/>
+          </p:cNvSpPr>
+          <p:nvPr>
+            <p:ph type="title"/>
+          </p:nvPr>
+        </p:nvSpPr>
+        <p:spPr/>
+        <p:txBody>
+          <a:bodyPr/>
+          <a:lstStyle/>
+          <a:p>
+            <a:r>
+              <a:rPr lang="en-US" dirty="0"/>
+              <a:t>Recommendations</a:t>
+            </a:r>
+          </a:p>
+        </p:txBody>
+      </p:sp>
+      <p:sp>
+        <p:nvSpPr>
+          <p:cNvPr id="3" name="Content Placeholder 2">
+            <a:extLst>
+              <a:ext uri="{FF2B5EF4-FFF2-40B4-BE49-F238E27FC236}">
+                <a16:creationId xmlns:a16="http://schemas.microsoft.com/office/drawing/2014/main" id="{9BC82AFE-6BA1-4A23-A6C8-4D444BABAADB}"/>
+              </a:ext>
+            </a:extLst>
+          </p:cNvPr>
+          <p:cNvSpPr>
+            <a:spLocks noGrp="1"/>
+          </p:cNvSpPr>
+          <p:nvPr>
+            <p:ph idx="1"/>
+          </p:nvPr>
+        </p:nvSpPr>
+        <p:spPr/>
+        <p:txBody>
+          <a:bodyPr/>
+          <a:lstStyle/>
+          <a:p>
+            <a:r>
+              <a:rPr lang="en-US" dirty="0"/>
+              <a:t>Since the Bill &amp; Melinda Gates Foundation already has a huge presence in Africa, one area it cane expand to is Bangladesh in South Asia.</a:t>
+            </a:r>
+          </a:p>
+          <a:p>
+            <a:r>
+              <a:rPr lang="en-US" dirty="0"/>
+              <a:t>As of 2013, Bangladesh has a literacy rate of approximately 50% and a female occupation rate of 1%.</a:t>
+            </a:r>
+          </a:p>
+        </p:txBody>
+      </p:sp>
+    </p:spTree>
+    <p:extLst>
+      <p:ext uri="{BB962C8B-B14F-4D97-AF65-F5344CB8AC3E}">
+        <p14:creationId xmlns:p14="http://schemas.microsoft.com/office/powerpoint/2010/main" val="4037269175"/>
+      </p:ext>
+    </p:extLst>
+  </p:cSld>
+  <p:clrMapOvr>
+    <a:masterClrMapping/>
+  </p:clrMapOvr>
+</p:sld>
+</file>
+
+<file path=ppt/slides/slide17.xml><?xml version="1.0" encoding="utf-8"?>
+<p:sld xmlns:a="http://schemas.openxmlformats.org/drawingml/2006/main" xmlns:r="http://schemas.openxmlformats.org/officeDocument/2006/relationships" xmlns:p="http://schemas.openxmlformats.org/presentationml/2006/main">
+  <p:cSld>
+    <p:spTree>
+      <p:nvGrpSpPr>
+        <p:cNvPr id="1" name=""/>
+        <p:cNvGrpSpPr/>
+        <p:nvPr/>
+      </p:nvGrpSpPr>
+      <p:grpSpPr>
+        <a:xfrm>
+          <a:off x="0" y="0"/>
+          <a:ext cx="0" cy="0"/>
+          <a:chOff x="0" y="0"/>
+          <a:chExt cx="0" cy="0"/>
+        </a:xfrm>
+      </p:grpSpPr>
+      <p:sp>
+        <p:nvSpPr>
+          <p:cNvPr id="2" name="Title 1">
+            <a:extLst>
+              <a:ext uri="{FF2B5EF4-FFF2-40B4-BE49-F238E27FC236}">
+                <a16:creationId xmlns:a16="http://schemas.microsoft.com/office/drawing/2014/main" id="{755A50DE-6BD3-4C90-B73B-FE9ED5BA50C2}"/>
+              </a:ext>
+            </a:extLst>
+          </p:cNvPr>
+          <p:cNvSpPr>
+            <a:spLocks noGrp="1"/>
+          </p:cNvSpPr>
+          <p:nvPr>
+            <p:ph type="title"/>
+          </p:nvPr>
+        </p:nvSpPr>
+        <p:spPr/>
+        <p:txBody>
+          <a:bodyPr/>
+          <a:lstStyle/>
+          <a:p>
+            <a:r>
+              <a:rPr lang="en-US" dirty="0"/>
+              <a:t>improvements</a:t>
+            </a:r>
+          </a:p>
+        </p:txBody>
+      </p:sp>
+      <p:sp>
+        <p:nvSpPr>
+          <p:cNvPr id="3" name="Content Placeholder 2">
+            <a:extLst>
+              <a:ext uri="{FF2B5EF4-FFF2-40B4-BE49-F238E27FC236}">
+                <a16:creationId xmlns:a16="http://schemas.microsoft.com/office/drawing/2014/main" id="{9BC82AFE-6BA1-4A23-A6C8-4D444BABAADB}"/>
+              </a:ext>
+            </a:extLst>
+          </p:cNvPr>
+          <p:cNvSpPr>
+            <a:spLocks noGrp="1"/>
+          </p:cNvSpPr>
+          <p:nvPr>
+            <p:ph idx="1"/>
+          </p:nvPr>
+        </p:nvSpPr>
+        <p:spPr/>
+        <p:txBody>
+          <a:bodyPr/>
+          <a:lstStyle/>
+          <a:p>
+            <a:r>
+              <a:rPr lang="en-US" dirty="0"/>
+              <a:t>Our research can be improved by using a stronger model and/or testing other variables which may have higher correlation coefficients to survival rates.</a:t>
+            </a:r>
           </a:p>
         </p:txBody>
       </p:sp>
@@ -4265,7 +4514,7 @@
 </p:sld>
 </file>
 
-<file path=ppt/slides/slide16.xml><?xml version="1.0" encoding="utf-8"?>
+<file path=ppt/slides/slide18.xml><?xml version="1.0" encoding="utf-8"?>
 <p:sld xmlns:a="http://schemas.openxmlformats.org/drawingml/2006/main" xmlns:r="http://schemas.openxmlformats.org/officeDocument/2006/relationships" xmlns:p="http://schemas.openxmlformats.org/presentationml/2006/main">
   <p:cSld>
     <p:spTree>
@@ -4617,7 +4866,7 @@
           <a:p>
             <a:r>
               <a:rPr lang="en-US" dirty="0"/>
-              <a:t>The data contains statistics on all the countries in the world between 1960 and 2016.</a:t>
+              <a:t>The data contains statistics on all the countries in the world from 1960 to 2016.</a:t>
             </a:r>
           </a:p>
           <a:p>
@@ -4629,7 +4878,7 @@
           <a:p>
             <a:r>
               <a:rPr lang="en-US" dirty="0"/>
-              <a:t>There are 162 indicator variables for which stats were collected, but data was not available for every indicator variable.</a:t>
+              <a:t>There are 162 indicator variables for which data was collected, but data was not available for every indicator variable.</a:t>
             </a:r>
           </a:p>
         </p:txBody>

--- a/Save The Children.pptx
+++ b/Save The Children.pptx
@@ -269,7 +269,7 @@
             <a:fld id="{B61BEF0D-F0BB-DE4B-95CE-6DB70DBA9567}" type="datetimeFigureOut">
               <a:rPr lang="en-US" smtClean="0"/>
               <a:pPr/>
-              <a:t>12/2/2018</a:t>
+              <a:t>12/4/2018</a:t>
             </a:fld>
             <a:endParaRPr lang="en-US" dirty="0"/>
           </a:p>
@@ -482,7 +482,7 @@
             <a:fld id="{B61BEF0D-F0BB-DE4B-95CE-6DB70DBA9567}" type="datetimeFigureOut">
               <a:rPr lang="en-US" smtClean="0"/>
               <a:pPr/>
-              <a:t>12/2/2018</a:t>
+              <a:t>12/4/2018</a:t>
             </a:fld>
             <a:endParaRPr lang="en-US" dirty="0"/>
           </a:p>
@@ -699,7 +699,7 @@
             <a:fld id="{B61BEF0D-F0BB-DE4B-95CE-6DB70DBA9567}" type="datetimeFigureOut">
               <a:rPr lang="en-US" smtClean="0"/>
               <a:pPr/>
-              <a:t>12/2/2018</a:t>
+              <a:t>12/4/2018</a:t>
             </a:fld>
             <a:endParaRPr lang="en-US" dirty="0"/>
           </a:p>
@@ -901,7 +901,7 @@
           <a:p>
             <a:fld id="{05BFA754-D5C3-4E66-96A6-867B257F58DC}" type="datetimeFigureOut">
               <a:rPr lang="en-US" smtClean="0"/>
-              <a:t>12/2/2018</a:t>
+              <a:t>12/4/2018</a:t>
             </a:fld>
             <a:endParaRPr lang="en-US" dirty="0"/>
           </a:p>
@@ -1181,7 +1181,7 @@
             <a:fld id="{B61BEF0D-F0BB-DE4B-95CE-6DB70DBA9567}" type="datetimeFigureOut">
               <a:rPr lang="en-US" smtClean="0"/>
               <a:pPr/>
-              <a:t>12/2/2018</a:t>
+              <a:t>12/4/2018</a:t>
             </a:fld>
             <a:endParaRPr lang="en-US" dirty="0"/>
           </a:p>
@@ -1450,7 +1450,7 @@
           <a:p>
             <a:fld id="{05BFA754-D5C3-4E66-96A6-867B257F58DC}" type="datetimeFigureOut">
               <a:rPr lang="en-US" smtClean="0"/>
-              <a:t>12/2/2018</a:t>
+              <a:t>12/4/2018</a:t>
             </a:fld>
             <a:endParaRPr lang="en-US" dirty="0"/>
           </a:p>
@@ -1867,7 +1867,7 @@
             <a:fld id="{B61BEF0D-F0BB-DE4B-95CE-6DB70DBA9567}" type="datetimeFigureOut">
               <a:rPr lang="en-US" smtClean="0"/>
               <a:pPr/>
-              <a:t>12/2/2018</a:t>
+              <a:t>12/4/2018</a:t>
             </a:fld>
             <a:endParaRPr lang="en-US" dirty="0"/>
           </a:p>
@@ -2018,7 +2018,7 @@
             <a:fld id="{B61BEF0D-F0BB-DE4B-95CE-6DB70DBA9567}" type="datetimeFigureOut">
               <a:rPr lang="en-US" smtClean="0"/>
               <a:pPr/>
-              <a:t>12/2/2018</a:t>
+              <a:t>12/4/2018</a:t>
             </a:fld>
             <a:endParaRPr lang="en-US" dirty="0"/>
           </a:p>
@@ -2146,7 +2146,7 @@
             <a:fld id="{B61BEF0D-F0BB-DE4B-95CE-6DB70DBA9567}" type="datetimeFigureOut">
               <a:rPr lang="en-US" smtClean="0"/>
               <a:pPr/>
-              <a:t>12/2/2018</a:t>
+              <a:t>12/4/2018</a:t>
             </a:fld>
             <a:endParaRPr lang="en-US" dirty="0"/>
           </a:p>
@@ -2399,7 +2399,7 @@
             <a:fld id="{B61BEF0D-F0BB-DE4B-95CE-6DB70DBA9567}" type="datetimeFigureOut">
               <a:rPr lang="en-US" smtClean="0"/>
               <a:pPr/>
-              <a:t>12/2/2018</a:t>
+              <a:t>12/4/2018</a:t>
             </a:fld>
             <a:endParaRPr lang="en-US" dirty="0"/>
           </a:p>
@@ -2845,7 +2845,7 @@
             <a:fld id="{B61BEF0D-F0BB-DE4B-95CE-6DB70DBA9567}" type="datetimeFigureOut">
               <a:rPr lang="en-US" smtClean="0"/>
               <a:pPr/>
-              <a:t>12/2/2018</a:t>
+              <a:t>12/4/2018</a:t>
             </a:fld>
             <a:endParaRPr lang="en-US" dirty="0"/>
           </a:p>
@@ -3173,7 +3173,7 @@
             <a:fld id="{B61BEF0D-F0BB-DE4B-95CE-6DB70DBA9567}" type="datetimeFigureOut">
               <a:rPr lang="en-US" smtClean="0"/>
               <a:pPr/>
-              <a:t>12/2/2018</a:t>
+              <a:t>12/4/2018</a:t>
             </a:fld>
             <a:endParaRPr lang="en-US" dirty="0"/>
           </a:p>
@@ -3836,13 +3836,13 @@
           <a:p>
             <a:r>
               <a:rPr lang="en-US" dirty="0"/>
-              <a:t>Approximately 49.5% of the variation in the log of survival rate is explained by the log of the literate rate.</a:t>
+              <a:t>Approximately 50% of the variation in the log of survival rate is explained by the log of the literate rate.</a:t>
             </a:r>
           </a:p>
           <a:p>
             <a:r>
               <a:rPr lang="en-US" dirty="0"/>
-              <a:t>*Equation interpretation goes here.</a:t>
+              <a:t>It's a log-log transformation, so it resulted in an interpretation that a doubling of the literacy rate of youth results in an 85% increase in the rate of survival to the age of 65.</a:t>
             </a:r>
           </a:p>
         </p:txBody>
@@ -3957,7 +3957,7 @@
           <a:p>
             <a:r>
               <a:rPr lang="en-US" dirty="0"/>
-              <a:t>This is a matrix plot showing the relationship between survival rate, mother’s position maternity, female life expectancy, female participation, and female manager.</a:t>
+              <a:t>There is minimum relationship between mother’s position maternity, female life expectancy, female participation, and female manager.</a:t>
             </a:r>
           </a:p>
         </p:txBody>

--- a/Save The Children.pptx
+++ b/Save The Children.pptx
@@ -15,12 +15,14 @@
     <p:sldId id="317" r:id="rId9"/>
     <p:sldId id="310" r:id="rId10"/>
     <p:sldId id="327" r:id="rId11"/>
-    <p:sldId id="323" r:id="rId12"/>
-    <p:sldId id="311" r:id="rId13"/>
-    <p:sldId id="324" r:id="rId14"/>
-    <p:sldId id="325" r:id="rId15"/>
-    <p:sldId id="326" r:id="rId16"/>
-    <p:sldId id="312" r:id="rId17"/>
+    <p:sldId id="328" r:id="rId12"/>
+    <p:sldId id="329" r:id="rId13"/>
+    <p:sldId id="323" r:id="rId14"/>
+    <p:sldId id="311" r:id="rId15"/>
+    <p:sldId id="324" r:id="rId16"/>
+    <p:sldId id="325" r:id="rId17"/>
+    <p:sldId id="326" r:id="rId18"/>
+    <p:sldId id="312" r:id="rId19"/>
   </p:sldIdLst>
   <p:sldSz cx="12192000" cy="6858000"/>
   <p:notesSz cx="6858000" cy="9144000"/>
@@ -267,7 +269,7 @@
             <a:fld id="{B61BEF0D-F0BB-DE4B-95CE-6DB70DBA9567}" type="datetimeFigureOut">
               <a:rPr lang="en-US" smtClean="0"/>
               <a:pPr/>
-              <a:t>12/2/2018</a:t>
+              <a:t>12/4/2018</a:t>
             </a:fld>
             <a:endParaRPr lang="en-US" dirty="0"/>
           </a:p>
@@ -480,7 +482,7 @@
             <a:fld id="{B61BEF0D-F0BB-DE4B-95CE-6DB70DBA9567}" type="datetimeFigureOut">
               <a:rPr lang="en-US" smtClean="0"/>
               <a:pPr/>
-              <a:t>12/2/2018</a:t>
+              <a:t>12/4/2018</a:t>
             </a:fld>
             <a:endParaRPr lang="en-US" dirty="0"/>
           </a:p>
@@ -697,7 +699,7 @@
             <a:fld id="{B61BEF0D-F0BB-DE4B-95CE-6DB70DBA9567}" type="datetimeFigureOut">
               <a:rPr lang="en-US" smtClean="0"/>
               <a:pPr/>
-              <a:t>12/2/2018</a:t>
+              <a:t>12/4/2018</a:t>
             </a:fld>
             <a:endParaRPr lang="en-US" dirty="0"/>
           </a:p>
@@ -899,7 +901,7 @@
           <a:p>
             <a:fld id="{05BFA754-D5C3-4E66-96A6-867B257F58DC}" type="datetimeFigureOut">
               <a:rPr lang="en-US" smtClean="0"/>
-              <a:t>12/2/2018</a:t>
+              <a:t>12/4/2018</a:t>
             </a:fld>
             <a:endParaRPr lang="en-US" dirty="0"/>
           </a:p>
@@ -1179,7 +1181,7 @@
             <a:fld id="{B61BEF0D-F0BB-DE4B-95CE-6DB70DBA9567}" type="datetimeFigureOut">
               <a:rPr lang="en-US" smtClean="0"/>
               <a:pPr/>
-              <a:t>12/2/2018</a:t>
+              <a:t>12/4/2018</a:t>
             </a:fld>
             <a:endParaRPr lang="en-US" dirty="0"/>
           </a:p>
@@ -1448,7 +1450,7 @@
           <a:p>
             <a:fld id="{05BFA754-D5C3-4E66-96A6-867B257F58DC}" type="datetimeFigureOut">
               <a:rPr lang="en-US" smtClean="0"/>
-              <a:t>12/2/2018</a:t>
+              <a:t>12/4/2018</a:t>
             </a:fld>
             <a:endParaRPr lang="en-US" dirty="0"/>
           </a:p>
@@ -1865,7 +1867,7 @@
             <a:fld id="{B61BEF0D-F0BB-DE4B-95CE-6DB70DBA9567}" type="datetimeFigureOut">
               <a:rPr lang="en-US" smtClean="0"/>
               <a:pPr/>
-              <a:t>12/2/2018</a:t>
+              <a:t>12/4/2018</a:t>
             </a:fld>
             <a:endParaRPr lang="en-US" dirty="0"/>
           </a:p>
@@ -2016,7 +2018,7 @@
             <a:fld id="{B61BEF0D-F0BB-DE4B-95CE-6DB70DBA9567}" type="datetimeFigureOut">
               <a:rPr lang="en-US" smtClean="0"/>
               <a:pPr/>
-              <a:t>12/2/2018</a:t>
+              <a:t>12/4/2018</a:t>
             </a:fld>
             <a:endParaRPr lang="en-US" dirty="0"/>
           </a:p>
@@ -2144,7 +2146,7 @@
             <a:fld id="{B61BEF0D-F0BB-DE4B-95CE-6DB70DBA9567}" type="datetimeFigureOut">
               <a:rPr lang="en-US" smtClean="0"/>
               <a:pPr/>
-              <a:t>12/2/2018</a:t>
+              <a:t>12/4/2018</a:t>
             </a:fld>
             <a:endParaRPr lang="en-US" dirty="0"/>
           </a:p>
@@ -2397,7 +2399,7 @@
             <a:fld id="{B61BEF0D-F0BB-DE4B-95CE-6DB70DBA9567}" type="datetimeFigureOut">
               <a:rPr lang="en-US" smtClean="0"/>
               <a:pPr/>
-              <a:t>12/2/2018</a:t>
+              <a:t>12/4/2018</a:t>
             </a:fld>
             <a:endParaRPr lang="en-US" dirty="0"/>
           </a:p>
@@ -2843,7 +2845,7 @@
             <a:fld id="{B61BEF0D-F0BB-DE4B-95CE-6DB70DBA9567}" type="datetimeFigureOut">
               <a:rPr lang="en-US" smtClean="0"/>
               <a:pPr/>
-              <a:t>12/2/2018</a:t>
+              <a:t>12/4/2018</a:t>
             </a:fld>
             <a:endParaRPr lang="en-US" dirty="0"/>
           </a:p>
@@ -3171,7 +3173,7 @@
             <a:fld id="{B61BEF0D-F0BB-DE4B-95CE-6DB70DBA9567}" type="datetimeFigureOut">
               <a:rPr lang="en-US" smtClean="0"/>
               <a:pPr/>
-              <a:t>12/2/2018</a:t>
+              <a:t>12/4/2018</a:t>
             </a:fld>
             <a:endParaRPr lang="en-US" dirty="0"/>
           </a:p>
@@ -3834,13 +3836,13 @@
           <a:p>
             <a:r>
               <a:rPr lang="en-US" dirty="0"/>
-              <a:t>Approximately 49.5% of the variation in the log of survival rate is explained by the log of the literate rate.</a:t>
+              <a:t>Approximately 50% of the variation in the log of survival rate is explained by the log of the literate rate.</a:t>
             </a:r>
           </a:p>
           <a:p>
             <a:r>
               <a:rPr lang="en-US" dirty="0"/>
-              <a:t>*Equation interpretation goes here.</a:t>
+              <a:t>It's a log-log transformation, so it resulted in an interpretation that a doubling of the literacy rate of youth results in an 85% increase in the rate of survival to the age of 65.</a:t>
             </a:r>
           </a:p>
         </p:txBody>
@@ -3880,7 +3882,7 @@
           <p:cNvPr id="2" name="Title 1">
             <a:extLst>
               <a:ext uri="{FF2B5EF4-FFF2-40B4-BE49-F238E27FC236}">
-                <a16:creationId xmlns:a16="http://schemas.microsoft.com/office/drawing/2014/main" id="{755A50DE-6BD3-4C90-B73B-FE9ED5BA50C2}"/>
+                <a16:creationId xmlns:a16="http://schemas.microsoft.com/office/drawing/2014/main" id="{F9FCD1CA-6E44-4240-A77A-2E06410D5A71}"/>
               </a:ext>
             </a:extLst>
           </p:cNvPr>
@@ -3898,25 +3900,54 @@
           <a:p>
             <a:r>
               <a:rPr lang="en-US" dirty="0"/>
-              <a:t>Other things to consider</a:t>
-            </a:r>
-          </a:p>
-        </p:txBody>
-      </p:sp>
-      <p:sp>
-        <p:nvSpPr>
-          <p:cNvPr id="3" name="Content Placeholder 2">
+              <a:t>Multicollinearity plots matrix</a:t>
+            </a:r>
+          </a:p>
+        </p:txBody>
+      </p:sp>
+      <p:pic>
+        <p:nvPicPr>
+          <p:cNvPr id="6" name="Content Placeholder 5">
             <a:extLst>
               <a:ext uri="{FF2B5EF4-FFF2-40B4-BE49-F238E27FC236}">
-                <a16:creationId xmlns:a16="http://schemas.microsoft.com/office/drawing/2014/main" id="{9BC82AFE-6BA1-4A23-A6C8-4D444BABAADB}"/>
+                <a16:creationId xmlns:a16="http://schemas.microsoft.com/office/drawing/2014/main" id="{F02C8B9B-6614-4267-B3BE-61E7A54B4789}"/>
               </a:ext>
             </a:extLst>
           </p:cNvPr>
-          <p:cNvSpPr>
-            <a:spLocks noGrp="1"/>
-          </p:cNvSpPr>
-          <p:nvPr>
-            <p:ph idx="1"/>
+          <p:cNvPicPr>
+            <a:picLocks noGrp="1" noChangeAspect="1"/>
+          </p:cNvPicPr>
+          <p:nvPr>
+            <p:ph sz="half" idx="1"/>
+          </p:nvPr>
+        </p:nvPicPr>
+        <p:blipFill>
+          <a:blip r:embed="rId2"/>
+          <a:stretch>
+            <a:fillRect/>
+          </a:stretch>
+        </p:blipFill>
+        <p:spPr>
+          <a:xfrm>
+            <a:off x="1447800" y="2076450"/>
+            <a:ext cx="4645024" cy="3317875"/>
+          </a:xfrm>
+        </p:spPr>
+      </p:pic>
+      <p:sp>
+        <p:nvSpPr>
+          <p:cNvPr id="4" name="Content Placeholder 3">
+            <a:extLst>
+              <a:ext uri="{FF2B5EF4-FFF2-40B4-BE49-F238E27FC236}">
+                <a16:creationId xmlns:a16="http://schemas.microsoft.com/office/drawing/2014/main" id="{F65726F8-F721-4BBA-84B3-121147D84B7C}"/>
+              </a:ext>
+            </a:extLst>
+          </p:cNvPr>
+          <p:cNvSpPr>
+            <a:spLocks noGrp="1"/>
+          </p:cNvSpPr>
+          <p:nvPr>
+            <p:ph sz="half" idx="2"/>
           </p:nvPr>
         </p:nvSpPr>
         <p:spPr/>
@@ -3926,7 +3957,7 @@
           <a:p>
             <a:r>
               <a:rPr lang="en-US" dirty="0"/>
-              <a:t>While our linear regression model showed ~50% correlation and our multiple regression model showed ~75% correlation, there are 162 total variables, so a stronger model and/or use of other variables may obtain higher correlation percentages.</a:t>
+              <a:t>There is minimum relationship between mother’s position maternity, female life expectancy, female participation, and female manager.</a:t>
             </a:r>
           </a:p>
         </p:txBody>
@@ -3934,7 +3965,7 @@
     </p:spTree>
     <p:extLst>
       <p:ext uri="{BB962C8B-B14F-4D97-AF65-F5344CB8AC3E}">
-        <p14:creationId xmlns:p14="http://schemas.microsoft.com/office/powerpoint/2010/main" val="1140124658"/>
+        <p14:creationId xmlns:p14="http://schemas.microsoft.com/office/powerpoint/2010/main" val="798016445"/>
       </p:ext>
     </p:extLst>
   </p:cSld>
@@ -3966,7 +3997,7 @@
           <p:cNvPr id="2" name="Title 1">
             <a:extLst>
               <a:ext uri="{FF2B5EF4-FFF2-40B4-BE49-F238E27FC236}">
-                <a16:creationId xmlns:a16="http://schemas.microsoft.com/office/drawing/2014/main" id="{96BCD036-B940-49FE-B2C0-BE9D8CE47D6A}"/>
+                <a16:creationId xmlns:a16="http://schemas.microsoft.com/office/drawing/2014/main" id="{F9FCD1CA-6E44-4240-A77A-2E06410D5A71}"/>
               </a:ext>
             </a:extLst>
           </p:cNvPr>
@@ -3979,14 +4010,77 @@
         </p:nvSpPr>
         <p:spPr/>
         <p:txBody>
-          <a:bodyPr>
-            <a:normAutofit/>
-          </a:bodyPr>
-          <a:lstStyle/>
-          <a:p>
-            <a:r>
-              <a:rPr lang="en-US" sz="4000" dirty="0"/>
-              <a:t>summary</a:t>
+          <a:bodyPr/>
+          <a:lstStyle/>
+          <a:p>
+            <a:r>
+              <a:rPr lang="en-US" dirty="0"/>
+              <a:t>Correlation plots matrix</a:t>
+            </a:r>
+          </a:p>
+        </p:txBody>
+      </p:sp>
+      <p:pic>
+        <p:nvPicPr>
+          <p:cNvPr id="6" name="Content Placeholder 5">
+            <a:extLst>
+              <a:ext uri="{FF2B5EF4-FFF2-40B4-BE49-F238E27FC236}">
+                <a16:creationId xmlns:a16="http://schemas.microsoft.com/office/drawing/2014/main" id="{F02C8B9B-6614-4267-B3BE-61E7A54B4789}"/>
+              </a:ext>
+            </a:extLst>
+          </p:cNvPr>
+          <p:cNvPicPr>
+            <a:picLocks noGrp="1" noChangeAspect="1"/>
+          </p:cNvPicPr>
+          <p:nvPr>
+            <p:ph sz="half" idx="1"/>
+          </p:nvPr>
+        </p:nvPicPr>
+        <p:blipFill>
+          <a:blip r:embed="rId2"/>
+          <a:stretch>
+            <a:fillRect/>
+          </a:stretch>
+        </p:blipFill>
+        <p:spPr>
+          <a:xfrm>
+            <a:off x="1447800" y="2076450"/>
+            <a:ext cx="4645024" cy="3317875"/>
+          </a:xfrm>
+        </p:spPr>
+      </p:pic>
+      <p:sp>
+        <p:nvSpPr>
+          <p:cNvPr id="4" name="Content Placeholder 3">
+            <a:extLst>
+              <a:ext uri="{FF2B5EF4-FFF2-40B4-BE49-F238E27FC236}">
+                <a16:creationId xmlns:a16="http://schemas.microsoft.com/office/drawing/2014/main" id="{F65726F8-F721-4BBA-84B3-121147D84B7C}"/>
+              </a:ext>
+            </a:extLst>
+          </p:cNvPr>
+          <p:cNvSpPr>
+            <a:spLocks noGrp="1"/>
+          </p:cNvSpPr>
+          <p:nvPr>
+            <p:ph sz="half" idx="2"/>
+          </p:nvPr>
+        </p:nvSpPr>
+        <p:spPr/>
+        <p:txBody>
+          <a:bodyPr/>
+          <a:lstStyle/>
+          <a:p>
+            <a:r>
+              <a:rPr lang="en-US" dirty="0"/>
+              <a:t>There </a:t>
+            </a:r>
+            <a:r>
+              <a:rPr lang="en-US"/>
+              <a:t>is about 75</a:t>
+            </a:r>
+            <a:r>
+              <a:rPr lang="en-US" dirty="0"/>
+              <a:t>% correlation between the 4 variables and survival rate.</a:t>
             </a:r>
           </a:p>
         </p:txBody>
@@ -3994,7 +4088,7 @@
     </p:spTree>
     <p:extLst>
       <p:ext uri="{BB962C8B-B14F-4D97-AF65-F5344CB8AC3E}">
-        <p14:creationId xmlns:p14="http://schemas.microsoft.com/office/powerpoint/2010/main" val="1078294770"/>
+        <p14:creationId xmlns:p14="http://schemas.microsoft.com/office/powerpoint/2010/main" val="1661870405"/>
       </p:ext>
     </p:extLst>
   </p:cSld>
@@ -4044,7 +4138,7 @@
           <a:p>
             <a:r>
               <a:rPr lang="en-US" dirty="0"/>
-              <a:t>insights</a:t>
+              <a:t>Other things to consider</a:t>
             </a:r>
           </a:p>
         </p:txBody>
@@ -4072,13 +4166,7 @@
           <a:p>
             <a:r>
               <a:rPr lang="en-US" dirty="0"/>
-              <a:t>Education and occupation have huge correlation to life expectancy and morality.</a:t>
-            </a:r>
-          </a:p>
-          <a:p>
-            <a:r>
-              <a:rPr lang="en-US" dirty="0"/>
-              <a:t>Therefore, the Bill &amp; Melinda Foundation should expand and bring aid to countries with low literacy and low female occupation rates.</a:t>
+              <a:t>While our linear regression model shows ~50% correlation and our multiple regression model shows ~75% correlation, there are 162 total variables, so a stronger model and/or use of other variables may obtain higher correlation percentages.</a:t>
             </a:r>
           </a:p>
         </p:txBody>
@@ -4086,7 +4174,7 @@
     </p:spTree>
     <p:extLst>
       <p:ext uri="{BB962C8B-B14F-4D97-AF65-F5344CB8AC3E}">
-        <p14:creationId xmlns:p14="http://schemas.microsoft.com/office/powerpoint/2010/main" val="402510787"/>
+        <p14:creationId xmlns:p14="http://schemas.microsoft.com/office/powerpoint/2010/main" val="1140124658"/>
       </p:ext>
     </p:extLst>
   </p:cSld>
@@ -4118,7 +4206,7 @@
           <p:cNvPr id="2" name="Title 1">
             <a:extLst>
               <a:ext uri="{FF2B5EF4-FFF2-40B4-BE49-F238E27FC236}">
-                <a16:creationId xmlns:a16="http://schemas.microsoft.com/office/drawing/2014/main" id="{755A50DE-6BD3-4C90-B73B-FE9ED5BA50C2}"/>
+                <a16:creationId xmlns:a16="http://schemas.microsoft.com/office/drawing/2014/main" id="{96BCD036-B940-49FE-B2C0-BE9D8CE47D6A}"/>
               </a:ext>
             </a:extLst>
           </p:cNvPr>
@@ -4131,40 +4219,14 @@
         </p:nvSpPr>
         <p:spPr/>
         <p:txBody>
-          <a:bodyPr/>
-          <a:lstStyle/>
-          <a:p>
-            <a:r>
-              <a:rPr lang="en-US" dirty="0"/>
-              <a:t>Recommendations</a:t>
-            </a:r>
-          </a:p>
-        </p:txBody>
-      </p:sp>
-      <p:sp>
-        <p:nvSpPr>
-          <p:cNvPr id="3" name="Content Placeholder 2">
-            <a:extLst>
-              <a:ext uri="{FF2B5EF4-FFF2-40B4-BE49-F238E27FC236}">
-                <a16:creationId xmlns:a16="http://schemas.microsoft.com/office/drawing/2014/main" id="{9BC82AFE-6BA1-4A23-A6C8-4D444BABAADB}"/>
-              </a:ext>
-            </a:extLst>
-          </p:cNvPr>
-          <p:cNvSpPr>
-            <a:spLocks noGrp="1"/>
-          </p:cNvSpPr>
-          <p:nvPr>
-            <p:ph idx="1"/>
-          </p:nvPr>
-        </p:nvSpPr>
-        <p:spPr/>
-        <p:txBody>
-          <a:bodyPr/>
-          <a:lstStyle/>
-          <a:p>
-            <a:r>
-              <a:rPr lang="en-US" dirty="0"/>
-              <a:t>Since the Bill &amp; Melinda Foundations </a:t>
+          <a:bodyPr>
+            <a:normAutofit/>
+          </a:bodyPr>
+          <a:lstStyle/>
+          <a:p>
+            <a:r>
+              <a:rPr lang="en-US" sz="4000" dirty="0"/>
+              <a:t>summary</a:t>
             </a:r>
           </a:p>
         </p:txBody>
@@ -4172,7 +4234,7 @@
     </p:spTree>
     <p:extLst>
       <p:ext uri="{BB962C8B-B14F-4D97-AF65-F5344CB8AC3E}">
-        <p14:creationId xmlns:p14="http://schemas.microsoft.com/office/powerpoint/2010/main" val="4037269175"/>
+        <p14:creationId xmlns:p14="http://schemas.microsoft.com/office/powerpoint/2010/main" val="1078294770"/>
       </p:ext>
     </p:extLst>
   </p:cSld>
@@ -4222,7 +4284,7 @@
           <a:p>
             <a:r>
               <a:rPr lang="en-US" dirty="0"/>
-              <a:t>improvements</a:t>
+              <a:t>insights</a:t>
             </a:r>
           </a:p>
         </p:txBody>
@@ -4248,7 +4310,194 @@
           <a:bodyPr/>
           <a:lstStyle/>
           <a:p>
-            <a:endParaRPr lang="en-US" dirty="0"/>
+            <a:r>
+              <a:rPr lang="en-US" dirty="0"/>
+              <a:t>Education and occupation have huge correlation to life expectancy and morality.</a:t>
+            </a:r>
+          </a:p>
+          <a:p>
+            <a:r>
+              <a:rPr lang="en-US" dirty="0"/>
+              <a:t>Therefore, the Bill &amp; Melinda Foundation should expand and bring aid to countries with low literacy and low female occupation rates.</a:t>
+            </a:r>
+          </a:p>
+        </p:txBody>
+      </p:sp>
+    </p:spTree>
+    <p:extLst>
+      <p:ext uri="{BB962C8B-B14F-4D97-AF65-F5344CB8AC3E}">
+        <p14:creationId xmlns:p14="http://schemas.microsoft.com/office/powerpoint/2010/main" val="402510787"/>
+      </p:ext>
+    </p:extLst>
+  </p:cSld>
+  <p:clrMapOvr>
+    <a:masterClrMapping/>
+  </p:clrMapOvr>
+</p:sld>
+</file>
+
+<file path=ppt/slides/slide16.xml><?xml version="1.0" encoding="utf-8"?>
+<p:sld xmlns:a="http://schemas.openxmlformats.org/drawingml/2006/main" xmlns:r="http://schemas.openxmlformats.org/officeDocument/2006/relationships" xmlns:p="http://schemas.openxmlformats.org/presentationml/2006/main">
+  <p:cSld>
+    <p:spTree>
+      <p:nvGrpSpPr>
+        <p:cNvPr id="1" name=""/>
+        <p:cNvGrpSpPr/>
+        <p:nvPr/>
+      </p:nvGrpSpPr>
+      <p:grpSpPr>
+        <a:xfrm>
+          <a:off x="0" y="0"/>
+          <a:ext cx="0" cy="0"/>
+          <a:chOff x="0" y="0"/>
+          <a:chExt cx="0" cy="0"/>
+        </a:xfrm>
+      </p:grpSpPr>
+      <p:sp>
+        <p:nvSpPr>
+          <p:cNvPr id="2" name="Title 1">
+            <a:extLst>
+              <a:ext uri="{FF2B5EF4-FFF2-40B4-BE49-F238E27FC236}">
+                <a16:creationId xmlns:a16="http://schemas.microsoft.com/office/drawing/2014/main" id="{755A50DE-6BD3-4C90-B73B-FE9ED5BA50C2}"/>
+              </a:ext>
+            </a:extLst>
+          </p:cNvPr>
+          <p:cNvSpPr>
+            <a:spLocks noGrp="1"/>
+          </p:cNvSpPr>
+          <p:nvPr>
+            <p:ph type="title"/>
+          </p:nvPr>
+        </p:nvSpPr>
+        <p:spPr/>
+        <p:txBody>
+          <a:bodyPr/>
+          <a:lstStyle/>
+          <a:p>
+            <a:r>
+              <a:rPr lang="en-US" dirty="0"/>
+              <a:t>Recommendations</a:t>
+            </a:r>
+          </a:p>
+        </p:txBody>
+      </p:sp>
+      <p:sp>
+        <p:nvSpPr>
+          <p:cNvPr id="3" name="Content Placeholder 2">
+            <a:extLst>
+              <a:ext uri="{FF2B5EF4-FFF2-40B4-BE49-F238E27FC236}">
+                <a16:creationId xmlns:a16="http://schemas.microsoft.com/office/drawing/2014/main" id="{9BC82AFE-6BA1-4A23-A6C8-4D444BABAADB}"/>
+              </a:ext>
+            </a:extLst>
+          </p:cNvPr>
+          <p:cNvSpPr>
+            <a:spLocks noGrp="1"/>
+          </p:cNvSpPr>
+          <p:nvPr>
+            <p:ph idx="1"/>
+          </p:nvPr>
+        </p:nvSpPr>
+        <p:spPr/>
+        <p:txBody>
+          <a:bodyPr/>
+          <a:lstStyle/>
+          <a:p>
+            <a:r>
+              <a:rPr lang="en-US" dirty="0"/>
+              <a:t>Since the Bill &amp; Melinda Gates Foundation already has a huge presence in Africa, one area it cane expand to is Bangladesh in South Asia.</a:t>
+            </a:r>
+          </a:p>
+          <a:p>
+            <a:r>
+              <a:rPr lang="en-US" dirty="0"/>
+              <a:t>As of 2013, Bangladesh has a literacy rate of approximately 50% and a female occupation rate of 1%.</a:t>
+            </a:r>
+          </a:p>
+        </p:txBody>
+      </p:sp>
+    </p:spTree>
+    <p:extLst>
+      <p:ext uri="{BB962C8B-B14F-4D97-AF65-F5344CB8AC3E}">
+        <p14:creationId xmlns:p14="http://schemas.microsoft.com/office/powerpoint/2010/main" val="4037269175"/>
+      </p:ext>
+    </p:extLst>
+  </p:cSld>
+  <p:clrMapOvr>
+    <a:masterClrMapping/>
+  </p:clrMapOvr>
+</p:sld>
+</file>
+
+<file path=ppt/slides/slide17.xml><?xml version="1.0" encoding="utf-8"?>
+<p:sld xmlns:a="http://schemas.openxmlformats.org/drawingml/2006/main" xmlns:r="http://schemas.openxmlformats.org/officeDocument/2006/relationships" xmlns:p="http://schemas.openxmlformats.org/presentationml/2006/main">
+  <p:cSld>
+    <p:spTree>
+      <p:nvGrpSpPr>
+        <p:cNvPr id="1" name=""/>
+        <p:cNvGrpSpPr/>
+        <p:nvPr/>
+      </p:nvGrpSpPr>
+      <p:grpSpPr>
+        <a:xfrm>
+          <a:off x="0" y="0"/>
+          <a:ext cx="0" cy="0"/>
+          <a:chOff x="0" y="0"/>
+          <a:chExt cx="0" cy="0"/>
+        </a:xfrm>
+      </p:grpSpPr>
+      <p:sp>
+        <p:nvSpPr>
+          <p:cNvPr id="2" name="Title 1">
+            <a:extLst>
+              <a:ext uri="{FF2B5EF4-FFF2-40B4-BE49-F238E27FC236}">
+                <a16:creationId xmlns:a16="http://schemas.microsoft.com/office/drawing/2014/main" id="{755A50DE-6BD3-4C90-B73B-FE9ED5BA50C2}"/>
+              </a:ext>
+            </a:extLst>
+          </p:cNvPr>
+          <p:cNvSpPr>
+            <a:spLocks noGrp="1"/>
+          </p:cNvSpPr>
+          <p:nvPr>
+            <p:ph type="title"/>
+          </p:nvPr>
+        </p:nvSpPr>
+        <p:spPr/>
+        <p:txBody>
+          <a:bodyPr/>
+          <a:lstStyle/>
+          <a:p>
+            <a:r>
+              <a:rPr lang="en-US" dirty="0"/>
+              <a:t>improvements</a:t>
+            </a:r>
+          </a:p>
+        </p:txBody>
+      </p:sp>
+      <p:sp>
+        <p:nvSpPr>
+          <p:cNvPr id="3" name="Content Placeholder 2">
+            <a:extLst>
+              <a:ext uri="{FF2B5EF4-FFF2-40B4-BE49-F238E27FC236}">
+                <a16:creationId xmlns:a16="http://schemas.microsoft.com/office/drawing/2014/main" id="{9BC82AFE-6BA1-4A23-A6C8-4D444BABAADB}"/>
+              </a:ext>
+            </a:extLst>
+          </p:cNvPr>
+          <p:cNvSpPr>
+            <a:spLocks noGrp="1"/>
+          </p:cNvSpPr>
+          <p:nvPr>
+            <p:ph idx="1"/>
+          </p:nvPr>
+        </p:nvSpPr>
+        <p:spPr/>
+        <p:txBody>
+          <a:bodyPr/>
+          <a:lstStyle/>
+          <a:p>
+            <a:r>
+              <a:rPr lang="en-US" dirty="0"/>
+              <a:t>Our research can be improved by using a stronger model and/or testing other variables which may have higher correlation coefficients to survival rates.</a:t>
+            </a:r>
           </a:p>
         </p:txBody>
       </p:sp>
@@ -4265,7 +4514,7 @@
 </p:sld>
 </file>
 
-<file path=ppt/slides/slide16.xml><?xml version="1.0" encoding="utf-8"?>
+<file path=ppt/slides/slide18.xml><?xml version="1.0" encoding="utf-8"?>
 <p:sld xmlns:a="http://schemas.openxmlformats.org/drawingml/2006/main" xmlns:r="http://schemas.openxmlformats.org/officeDocument/2006/relationships" xmlns:p="http://schemas.openxmlformats.org/presentationml/2006/main">
   <p:cSld>
     <p:spTree>
@@ -4617,7 +4866,7 @@
           <a:p>
             <a:r>
               <a:rPr lang="en-US" dirty="0"/>
-              <a:t>The data contains statistics on all the countries in the world between 1960 and 2016.</a:t>
+              <a:t>The data contains statistics on all the countries in the world from 1960 to 2016.</a:t>
             </a:r>
           </a:p>
           <a:p>
@@ -4629,7 +4878,7 @@
           <a:p>
             <a:r>
               <a:rPr lang="en-US" dirty="0"/>
-              <a:t>There are 162 indicator variables for which stats were collected, but data was not available for every indicator variable.</a:t>
+              <a:t>There are 162 indicator variables for which data was collected, but data was not available for every indicator variable.</a:t>
             </a:r>
           </a:p>
         </p:txBody>
